--- a/Presentation Slides.pptx
+++ b/Presentation Slides.pptx
@@ -314,7 +314,7 @@
           <a:p>
             <a:fld id="{CBB324D8-663E-42DB-AE41-F738C5C5BB80}" type="datetimeFigureOut">
               <a:rPr lang="en-GB" smtClean="0"/>
-              <a:t>23/03/2016</a:t>
+              <a:t>24/03/2016</a:t>
             </a:fld>
             <a:endParaRPr lang="en-GB"/>
           </a:p>
@@ -479,7 +479,7 @@
           <a:p>
             <a:fld id="{CBB324D8-663E-42DB-AE41-F738C5C5BB80}" type="datetimeFigureOut">
               <a:rPr lang="en-GB" smtClean="0"/>
-              <a:t>23/03/2016</a:t>
+              <a:t>24/03/2016</a:t>
             </a:fld>
             <a:endParaRPr lang="en-GB"/>
           </a:p>
@@ -654,7 +654,7 @@
           <a:p>
             <a:fld id="{CBB324D8-663E-42DB-AE41-F738C5C5BB80}" type="datetimeFigureOut">
               <a:rPr lang="en-GB" smtClean="0"/>
-              <a:t>23/03/2016</a:t>
+              <a:t>24/03/2016</a:t>
             </a:fld>
             <a:endParaRPr lang="en-GB"/>
           </a:p>
@@ -837,7 +837,7 @@
           <a:p>
             <a:fld id="{CBB324D8-663E-42DB-AE41-F738C5C5BB80}" type="datetimeFigureOut">
               <a:rPr lang="en-GB" smtClean="0"/>
-              <a:t>23/03/2016</a:t>
+              <a:t>24/03/2016</a:t>
             </a:fld>
             <a:endParaRPr lang="en-GB"/>
           </a:p>
@@ -1099,7 +1099,7 @@
           <a:p>
             <a:fld id="{CBB324D8-663E-42DB-AE41-F738C5C5BB80}" type="datetimeFigureOut">
               <a:rPr lang="en-GB" smtClean="0"/>
-              <a:t>23/03/2016</a:t>
+              <a:t>24/03/2016</a:t>
             </a:fld>
             <a:endParaRPr lang="en-GB"/>
           </a:p>
@@ -1447,7 +1447,7 @@
           <a:p>
             <a:fld id="{CBB324D8-663E-42DB-AE41-F738C5C5BB80}" type="datetimeFigureOut">
               <a:rPr lang="en-GB" smtClean="0"/>
-              <a:t>23/03/2016</a:t>
+              <a:t>24/03/2016</a:t>
             </a:fld>
             <a:endParaRPr lang="en-GB"/>
           </a:p>
@@ -1755,7 +1755,7 @@
           <a:p>
             <a:fld id="{CBB324D8-663E-42DB-AE41-F738C5C5BB80}" type="datetimeFigureOut">
               <a:rPr lang="en-GB" smtClean="0"/>
-              <a:t>23/03/2016</a:t>
+              <a:t>24/03/2016</a:t>
             </a:fld>
             <a:endParaRPr lang="en-GB"/>
           </a:p>
@@ -1982,7 +1982,7 @@
           <a:p>
             <a:fld id="{CBB324D8-663E-42DB-AE41-F738C5C5BB80}" type="datetimeFigureOut">
               <a:rPr lang="en-GB" smtClean="0"/>
-              <a:t>23/03/2016</a:t>
+              <a:t>24/03/2016</a:t>
             </a:fld>
             <a:endParaRPr lang="en-GB"/>
           </a:p>
@@ -2072,7 +2072,7 @@
           <a:p>
             <a:fld id="{CBB324D8-663E-42DB-AE41-F738C5C5BB80}" type="datetimeFigureOut">
               <a:rPr lang="en-GB" smtClean="0"/>
-              <a:t>23/03/2016</a:t>
+              <a:t>24/03/2016</a:t>
             </a:fld>
             <a:endParaRPr lang="en-GB"/>
           </a:p>
@@ -2360,7 +2360,7 @@
           <a:p>
             <a:fld id="{CBB324D8-663E-42DB-AE41-F738C5C5BB80}" type="datetimeFigureOut">
               <a:rPr lang="en-GB" smtClean="0"/>
-              <a:t>23/03/2016</a:t>
+              <a:t>24/03/2016</a:t>
             </a:fld>
             <a:endParaRPr lang="en-GB"/>
           </a:p>
@@ -2629,7 +2629,7 @@
           <a:p>
             <a:fld id="{CBB324D8-663E-42DB-AE41-F738C5C5BB80}" type="datetimeFigureOut">
               <a:rPr lang="en-GB" smtClean="0"/>
-              <a:t>23/03/2016</a:t>
+              <a:t>24/03/2016</a:t>
             </a:fld>
             <a:endParaRPr lang="en-GB"/>
           </a:p>
@@ -2839,7 +2839,7 @@
           <a:p>
             <a:fld id="{CBB324D8-663E-42DB-AE41-F738C5C5BB80}" type="datetimeFigureOut">
               <a:rPr lang="en-GB" smtClean="0"/>
-              <a:t>23/03/2016</a:t>
+              <a:t>24/03/2016</a:t>
             </a:fld>
             <a:endParaRPr lang="en-GB"/>
           </a:p>
@@ -3441,7 +3441,6 @@
               <a:rPr lang="en-GB" sz="3200" dirty="0" smtClean="0"/>
               <a:t>What communication difficulties does a distributed development team face using the Agile method furthermore how can this be improved?</a:t>
             </a:r>
-            <a:endParaRPr lang="en-GB" sz="3200" dirty="0" smtClean="0"/>
           </a:p>
         </p:txBody>
       </p:sp>
@@ -3703,6 +3702,11 @@
             <a:off x="467544" y="836712"/>
             <a:ext cx="8229600" cy="4525963"/>
           </a:xfrm>
+          <a:ln>
+            <a:solidFill>
+              <a:schemeClr val="accent1"/>
+            </a:solidFill>
+          </a:ln>
         </p:spPr>
         <p:txBody>
           <a:bodyPr/>
@@ -3758,6 +3762,14 @@
             <a:pPr marL="0" indent="0">
               <a:buNone/>
             </a:pPr>
+            <a:r>
+              <a:rPr lang="en-GB" dirty="0" smtClean="0">
+                <a:solidFill>
+                  <a:schemeClr val="tx1"/>
+                </a:solidFill>
+              </a:rPr>
+              <a:t>This paper covers the main possible communication issues in students when they start using the Agile method.</a:t>
+            </a:r>
             <a:endParaRPr lang="en-GB" dirty="0">
               <a:solidFill>
                 <a:schemeClr val="tx1"/>
